--- a/wps/word/01文件选项卡/01文件选项卡.pptx
+++ b/wps/word/01文件选项卡/01文件选项卡.pptx
@@ -3533,36 +3533,6 @@
           </a:p>
         </p:txBody>
       </p:sp>
-      <p:sp>
-        <p:nvSpPr>
-          <p:cNvPr id="2" name="文本框 1"/>
-          <p:cNvSpPr txBox="1"/>
-          <p:nvPr/>
-        </p:nvSpPr>
-        <p:spPr>
-          <a:xfrm>
-            <a:off x="982980" y="4818380"/>
-            <a:ext cx="3610610" cy="368300"/>
-          </a:xfrm>
-          <a:prstGeom prst="rect">
-            <a:avLst/>
-          </a:prstGeom>
-          <a:noFill/>
-        </p:spPr>
-        <p:txBody>
-          <a:bodyPr wrap="square" rtlCol="0">
-            <a:spAutoFit/>
-          </a:bodyPr>
-          <a:lstStyle/>
-          <a:p>
-            <a:r>
-              <a:rPr lang="zh-CN" altLang="en-US"/>
-              <a:t>备注：题目来源历年真题第一套</a:t>
-            </a:r>
-            <a:endParaRPr lang="zh-CN" altLang="en-US"/>
-          </a:p>
-        </p:txBody>
-      </p:sp>
     </p:spTree>
   </p:cSld>
   <p:clrMapOvr>
